--- a/docs/diagrams/LogicComponentClassDiagram.pptx
+++ b/docs/diagrams/LogicComponentClassDiagram.pptx
@@ -126,10 +126,6 @@
 </p:presentation>
 </file>
 
-<file path=ppt/revisionInfo.xml><?xml version="1.0" encoding="utf-8"?>
-<p1510:revInfo xmlns:a="http://schemas.openxmlformats.org/drawingml/2006/main" xmlns:r="http://schemas.openxmlformats.org/officeDocument/2006/relationships" xmlns:p1510="http://schemas.microsoft.com/office/powerpoint/2015/10/main"/>
-</file>
-
 <file path=ppt/notesMasters/notesMaster1.xml><?xml version="1.0" encoding="utf-8"?>
 <p:notesMaster xmlns:a="http://schemas.openxmlformats.org/drawingml/2006/main" xmlns:r="http://schemas.openxmlformats.org/officeDocument/2006/relationships" xmlns:p="http://schemas.openxmlformats.org/presentationml/2006/main">
   <p:cSld>
@@ -212,7 +208,7 @@
           <a:p>
             <a:fld id="{F5CC4B3F-88C1-4FFA-B1B6-F41C21DC6924}" type="datetimeFigureOut">
               <a:rPr lang="en-US" smtClean="0"/>
-              <a:t>4/16/2018</a:t>
+              <a:t>11/5/2018</a:t>
             </a:fld>
             <a:endParaRPr lang="en-US"/>
           </a:p>
@@ -658,7 +654,7 @@
           <a:p>
             <a:fld id="{78C97017-6FC3-485B-9764-EAC9E56C1D49}" type="datetimeFigureOut">
               <a:rPr lang="en-US" smtClean="0"/>
-              <a:t>4/16/2018</a:t>
+              <a:t>11/5/2018</a:t>
             </a:fld>
             <a:endParaRPr lang="en-US"/>
           </a:p>
@@ -826,7 +822,7 @@
           <a:p>
             <a:fld id="{78C97017-6FC3-485B-9764-EAC9E56C1D49}" type="datetimeFigureOut">
               <a:rPr lang="en-US" smtClean="0"/>
-              <a:t>4/16/2018</a:t>
+              <a:t>11/5/2018</a:t>
             </a:fld>
             <a:endParaRPr lang="en-US"/>
           </a:p>
@@ -1004,7 +1000,7 @@
           <a:p>
             <a:fld id="{78C97017-6FC3-485B-9764-EAC9E56C1D49}" type="datetimeFigureOut">
               <a:rPr lang="en-US" smtClean="0"/>
-              <a:t>4/16/2018</a:t>
+              <a:t>11/5/2018</a:t>
             </a:fld>
             <a:endParaRPr lang="en-US"/>
           </a:p>
@@ -1172,7 +1168,7 @@
           <a:p>
             <a:fld id="{78C97017-6FC3-485B-9764-EAC9E56C1D49}" type="datetimeFigureOut">
               <a:rPr lang="en-US" smtClean="0"/>
-              <a:t>4/16/2018</a:t>
+              <a:t>11/5/2018</a:t>
             </a:fld>
             <a:endParaRPr lang="en-US"/>
           </a:p>
@@ -1417,7 +1413,7 @@
           <a:p>
             <a:fld id="{78C97017-6FC3-485B-9764-EAC9E56C1D49}" type="datetimeFigureOut">
               <a:rPr lang="en-US" smtClean="0"/>
-              <a:t>4/16/2018</a:t>
+              <a:t>11/5/2018</a:t>
             </a:fld>
             <a:endParaRPr lang="en-US"/>
           </a:p>
@@ -1702,7 +1698,7 @@
           <a:p>
             <a:fld id="{78C97017-6FC3-485B-9764-EAC9E56C1D49}" type="datetimeFigureOut">
               <a:rPr lang="en-US" smtClean="0"/>
-              <a:t>4/16/2018</a:t>
+              <a:t>11/5/2018</a:t>
             </a:fld>
             <a:endParaRPr lang="en-US"/>
           </a:p>
@@ -2121,7 +2117,7 @@
           <a:p>
             <a:fld id="{78C97017-6FC3-485B-9764-EAC9E56C1D49}" type="datetimeFigureOut">
               <a:rPr lang="en-US" smtClean="0"/>
-              <a:t>4/16/2018</a:t>
+              <a:t>11/5/2018</a:t>
             </a:fld>
             <a:endParaRPr lang="en-US"/>
           </a:p>
@@ -2238,7 +2234,7 @@
           <a:p>
             <a:fld id="{78C97017-6FC3-485B-9764-EAC9E56C1D49}" type="datetimeFigureOut">
               <a:rPr lang="en-US" smtClean="0"/>
-              <a:t>4/16/2018</a:t>
+              <a:t>11/5/2018</a:t>
             </a:fld>
             <a:endParaRPr lang="en-US"/>
           </a:p>
@@ -2333,7 +2329,7 @@
           <a:p>
             <a:fld id="{78C97017-6FC3-485B-9764-EAC9E56C1D49}" type="datetimeFigureOut">
               <a:rPr lang="en-US" smtClean="0"/>
-              <a:t>4/16/2018</a:t>
+              <a:t>11/5/2018</a:t>
             </a:fld>
             <a:endParaRPr lang="en-US"/>
           </a:p>
@@ -2608,7 +2604,7 @@
           <a:p>
             <a:fld id="{78C97017-6FC3-485B-9764-EAC9E56C1D49}" type="datetimeFigureOut">
               <a:rPr lang="en-US" smtClean="0"/>
-              <a:t>4/16/2018</a:t>
+              <a:t>11/5/2018</a:t>
             </a:fld>
             <a:endParaRPr lang="en-US"/>
           </a:p>
@@ -2860,7 +2856,7 @@
           <a:p>
             <a:fld id="{78C97017-6FC3-485B-9764-EAC9E56C1D49}" type="datetimeFigureOut">
               <a:rPr lang="en-US" smtClean="0"/>
-              <a:t>4/16/2018</a:t>
+              <a:t>11/5/2018</a:t>
             </a:fld>
             <a:endParaRPr lang="en-US"/>
           </a:p>
@@ -3071,7 +3067,7 @@
           <a:p>
             <a:fld id="{78C97017-6FC3-485B-9764-EAC9E56C1D49}" type="datetimeFigureOut">
               <a:rPr lang="en-US" smtClean="0"/>
-              <a:t>4/16/2018</a:t>
+              <a:t>11/5/2018</a:t>
             </a:fld>
             <a:endParaRPr lang="en-US"/>
           </a:p>
@@ -3455,7 +3451,7 @@
         <p:spPr>
           <a:xfrm>
             <a:off x="1066800" y="914400"/>
-            <a:ext cx="7084740" cy="3733800"/>
+            <a:ext cx="7084740" cy="4563420"/>
           </a:xfrm>
           <a:prstGeom prst="roundRect">
             <a:avLst>
@@ -3574,7 +3570,7 @@
         </p:nvSpPr>
         <p:spPr>
           <a:xfrm flipH="1">
-            <a:off x="6878274" y="2740152"/>
+            <a:off x="6878274" y="2618250"/>
             <a:ext cx="970326" cy="346760"/>
           </a:xfrm>
           <a:prstGeom prst="rect">
@@ -3607,7 +3603,7 @@
           <a:p>
             <a:pPr algn="ctr"/>
             <a:r>
-              <a:rPr lang="en-US" sz="1050" b="1" dirty="0" err="1" smtClean="0">
+              <a:rPr lang="en-US" sz="1050" b="1" dirty="0" err="1">
                 <a:solidFill>
                   <a:srgbClr val="0070C0"/>
                 </a:solidFill>
@@ -3685,6 +3681,7 @@
         <p:nvCxnSpPr>
           <p:cNvPr id="6" name="Elbow Connector 63"/>
           <p:cNvCxnSpPr>
+            <a:cxnSpLocks/>
             <a:stCxn id="12" idx="3"/>
             <a:endCxn id="3" idx="3"/>
           </p:cNvCxnSpPr>
@@ -3693,7 +3690,7 @@
         <p:spPr>
           <a:xfrm flipH="1" flipV="1">
             <a:off x="3189583" y="1426447"/>
-            <a:ext cx="4559332" cy="2895973"/>
+            <a:ext cx="4559332" cy="3810373"/>
           </a:xfrm>
           <a:prstGeom prst="bentConnector3">
             <a:avLst>
@@ -3776,7 +3773,7 @@
         </p:nvSpPr>
         <p:spPr>
           <a:xfrm>
-            <a:off x="1103085" y="4777355"/>
+            <a:off x="1103085" y="5615555"/>
             <a:ext cx="7050315" cy="328045"/>
           </a:xfrm>
           <a:prstGeom prst="roundRect">
@@ -3836,7 +3833,7 @@
         </p:nvSpPr>
         <p:spPr>
           <a:xfrm>
-            <a:off x="6976872" y="4149040"/>
+            <a:off x="6976872" y="5063440"/>
             <a:ext cx="772043" cy="346760"/>
           </a:xfrm>
           <a:prstGeom prst="rect">
@@ -3939,12 +3936,12 @@
           <a:p>
             <a:pPr algn="ctr"/>
             <a:r>
-              <a:rPr lang="en-US" sz="1050" dirty="0" err="1" smtClean="0">
+              <a:rPr lang="en-US" sz="1050" dirty="0" err="1">
                 <a:solidFill>
                   <a:schemeClr val="bg1"/>
                 </a:solidFill>
               </a:rPr>
-              <a:t>AddressBook</a:t>
+              <a:t>OrderBook</a:t>
             </a:r>
             <a:endParaRPr lang="en-US" sz="1050" dirty="0">
               <a:solidFill>
@@ -3974,14 +3971,15 @@
         <p:nvCxnSpPr>
           <p:cNvPr id="18" name="Straight Arrow Connector 110"/>
           <p:cNvCxnSpPr>
+            <a:cxnSpLocks/>
             <a:stCxn id="12" idx="2"/>
           </p:cNvCxnSpPr>
           <p:nvPr/>
         </p:nvCxnSpPr>
         <p:spPr>
-          <a:xfrm>
-            <a:off x="7362894" y="4495800"/>
-            <a:ext cx="0" cy="281555"/>
+          <a:xfrm flipH="1">
+            <a:off x="7362893" y="5410200"/>
+            <a:ext cx="1" cy="201914"/>
           </a:xfrm>
           <a:prstGeom prst="straightConnector1">
             <a:avLst/>
@@ -4181,14 +4179,14 @@
         <p:nvCxnSpPr>
           <p:cNvPr id="23" name="Straight Arrow Connector 57"/>
           <p:cNvCxnSpPr>
-            <a:stCxn id="5" idx="2"/>
+            <a:cxnSpLocks/>
           </p:cNvCxnSpPr>
           <p:nvPr/>
         </p:nvCxnSpPr>
         <p:spPr>
           <a:xfrm>
-            <a:off x="2329313" y="3930290"/>
-            <a:ext cx="1376" cy="854841"/>
+            <a:off x="2419784" y="3930290"/>
+            <a:ext cx="0" cy="1681824"/>
           </a:xfrm>
           <a:prstGeom prst="straightConnector1">
             <a:avLst/>
@@ -4220,7 +4218,9 @@
       <p:cxnSp>
         <p:nvCxnSpPr>
           <p:cNvPr id="24" name="Elbow Connector 122"/>
-          <p:cNvCxnSpPr/>
+          <p:cNvCxnSpPr>
+            <a:cxnSpLocks/>
+          </p:cNvCxnSpPr>
           <p:nvPr/>
         </p:nvCxnSpPr>
         <p:spPr>
@@ -4264,19 +4264,19 @@
         <p:nvCxnSpPr>
           <p:cNvPr id="25" name="Elbow Connector 63"/>
           <p:cNvCxnSpPr>
+            <a:cxnSpLocks/>
+            <a:stCxn id="5" idx="2"/>
             <a:endCxn id="12" idx="1"/>
           </p:cNvCxnSpPr>
           <p:nvPr/>
         </p:nvCxnSpPr>
         <p:spPr>
-          <a:xfrm>
-            <a:off x="2281833" y="3939492"/>
-            <a:ext cx="4695039" cy="382928"/>
-          </a:xfrm>
-          <a:prstGeom prst="bentConnector3">
-            <a:avLst>
-              <a:gd name="adj1" fmla="val -81"/>
-            </a:avLst>
+          <a:xfrm rot="16200000" flipH="1">
+            <a:off x="3999827" y="2259775"/>
+            <a:ext cx="1306530" cy="4647559"/>
+          </a:xfrm>
+          <a:prstGeom prst="bentConnector2">
+            <a:avLst/>
           </a:prstGeom>
           <a:ln w="19050">
             <a:solidFill>
@@ -4311,7 +4311,7 @@
         </p:nvGrpSpPr>
         <p:grpSpPr>
           <a:xfrm>
-            <a:off x="4597400" y="4341168"/>
+            <a:off x="4051538" y="5262692"/>
             <a:ext cx="889000" cy="230832"/>
             <a:chOff x="2895600" y="807932"/>
             <a:chExt cx="889000" cy="230832"/>
@@ -4544,7 +4544,9 @@
       <p:cxnSp>
         <p:nvCxnSpPr>
           <p:cNvPr id="39" name="Elbow Connector 122"/>
-          <p:cNvCxnSpPr/>
+          <p:cNvCxnSpPr>
+            <a:cxnSpLocks/>
+          </p:cNvCxnSpPr>
           <p:nvPr/>
         </p:nvCxnSpPr>
         <p:spPr>
@@ -4590,7 +4592,7 @@
         </p:nvSpPr>
         <p:spPr>
           <a:xfrm>
-            <a:off x="3174214" y="1862795"/>
+            <a:off x="3174214" y="1740893"/>
             <a:ext cx="751107" cy="346760"/>
           </a:xfrm>
           <a:prstGeom prst="rect">
@@ -4670,7 +4672,7 @@
         </p:nvSpPr>
         <p:spPr>
           <a:xfrm>
-            <a:off x="2238496" y="2454481"/>
+            <a:off x="2238496" y="2332579"/>
             <a:ext cx="726243" cy="174580"/>
           </a:xfrm>
           <a:prstGeom prst="rect">
@@ -4735,7 +4737,7 @@
         </p:nvSpPr>
         <p:spPr>
           <a:xfrm>
-            <a:off x="3186326" y="2841725"/>
+            <a:off x="3186326" y="2719823"/>
             <a:ext cx="731636" cy="283820"/>
           </a:xfrm>
           <a:prstGeom prst="rect">
@@ -4800,7 +4802,7 @@
         </p:nvSpPr>
         <p:spPr>
           <a:xfrm>
-            <a:off x="3186326" y="3190882"/>
+            <a:off x="3186326" y="3068980"/>
             <a:ext cx="731636" cy="283820"/>
           </a:xfrm>
           <a:prstGeom prst="rect">
@@ -4869,7 +4871,7 @@
         </p:nvCxnSpPr>
         <p:spPr>
           <a:xfrm rot="10800000">
-            <a:off x="2601618" y="2629061"/>
+            <a:off x="2601618" y="2507159"/>
             <a:ext cx="584708" cy="354574"/>
           </a:xfrm>
           <a:prstGeom prst="bentConnector2">
@@ -4915,7 +4917,7 @@
         </p:nvCxnSpPr>
         <p:spPr>
           <a:xfrm rot="10800000" flipV="1">
-            <a:off x="2601618" y="2036175"/>
+            <a:off x="2601618" y="1914273"/>
             <a:ext cx="572596" cy="418306"/>
           </a:xfrm>
           <a:prstGeom prst="bentConnector2">
@@ -4956,8 +4958,8 @@
           <p:nvPr/>
         </p:nvGrpSpPr>
         <p:grpSpPr>
-          <a:xfrm rot="10800000">
-            <a:off x="4687086" y="3784757"/>
+          <a:xfrm rot="5400000">
+            <a:off x="5157626" y="3122312"/>
             <a:ext cx="555486" cy="254462"/>
             <a:chOff x="3703306" y="644022"/>
             <a:chExt cx="555486" cy="230832"/>
@@ -5062,7 +5064,7 @@
         </p:nvSpPr>
         <p:spPr>
           <a:xfrm flipV="1">
-            <a:off x="7227643" y="3980475"/>
+            <a:off x="7227643" y="4868692"/>
             <a:ext cx="270504" cy="175523"/>
           </a:xfrm>
           <a:prstGeom prst="triangle">
@@ -5119,8 +5121,8 @@
         </p:nvCxnSpPr>
         <p:spPr>
           <a:xfrm rot="5400000" flipH="1" flipV="1">
-            <a:off x="6916385" y="3533423"/>
-            <a:ext cx="893563" cy="542"/>
+            <a:off x="6411325" y="3916580"/>
+            <a:ext cx="1903682" cy="542"/>
           </a:xfrm>
           <a:prstGeom prst="bentConnector3">
             <a:avLst>
@@ -5159,7 +5161,7 @@
         </p:nvCxnSpPr>
         <p:spPr>
           <a:xfrm flipV="1">
-            <a:off x="6066328" y="2913532"/>
+            <a:off x="6066328" y="2791630"/>
             <a:ext cx="811946" cy="659"/>
           </a:xfrm>
           <a:prstGeom prst="bentConnector3">
@@ -5202,7 +5204,7 @@
         </p:nvSpPr>
         <p:spPr>
           <a:xfrm>
-            <a:off x="3174214" y="2370131"/>
+            <a:off x="3174214" y="2248229"/>
             <a:ext cx="750156" cy="340758"/>
           </a:xfrm>
           <a:prstGeom prst="rect">
@@ -5281,7 +5283,7 @@
         </p:nvCxnSpPr>
         <p:spPr>
           <a:xfrm rot="10800000" flipV="1">
-            <a:off x="2964740" y="2540509"/>
+            <a:off x="2964740" y="2418607"/>
             <a:ext cx="209475" cy="1261"/>
           </a:xfrm>
           <a:prstGeom prst="bentConnector3">
@@ -5329,7 +5331,7 @@
         </p:nvCxnSpPr>
         <p:spPr>
           <a:xfrm rot="5400000">
-            <a:off x="3469242" y="2289605"/>
+            <a:off x="3469242" y="2167703"/>
             <a:ext cx="160576" cy="476"/>
           </a:xfrm>
           <a:prstGeom prst="bentConnector3">
@@ -5438,7 +5440,9 @@
       <p:cxnSp>
         <p:nvCxnSpPr>
           <p:cNvPr id="88" name="Straight Arrow Connector 57"/>
-          <p:cNvCxnSpPr/>
+          <p:cNvCxnSpPr>
+            <a:cxnSpLocks/>
+          </p:cNvCxnSpPr>
           <p:nvPr/>
         </p:nvCxnSpPr>
         <p:spPr>
@@ -5526,7 +5530,7 @@
         </p:nvSpPr>
         <p:spPr>
           <a:xfrm flipH="1">
-            <a:off x="5067626" y="1981200"/>
+            <a:off x="5067626" y="1859298"/>
             <a:ext cx="998702" cy="346760"/>
           </a:xfrm>
           <a:prstGeom prst="rect">
@@ -5592,7 +5596,7 @@
         </p:nvSpPr>
         <p:spPr>
           <a:xfrm flipH="1">
-            <a:off x="5431725" y="2327960"/>
+            <a:off x="5431725" y="2206058"/>
             <a:ext cx="270504" cy="175523"/>
           </a:xfrm>
           <a:prstGeom prst="triangle">
@@ -5637,7 +5641,7 @@
         </p:nvGrpSpPr>
         <p:grpSpPr>
           <a:xfrm rot="5400000">
-            <a:off x="6371505" y="2788428"/>
+            <a:off x="6371505" y="2631409"/>
             <a:ext cx="222304" cy="598286"/>
             <a:chOff x="3965759" y="592436"/>
             <a:chExt cx="254462" cy="503902"/>
@@ -5737,7 +5741,9 @@
       <p:cxnSp>
         <p:nvCxnSpPr>
           <p:cNvPr id="95" name="Straight Connector 94"/>
-          <p:cNvCxnSpPr/>
+          <p:cNvCxnSpPr>
+            <a:cxnSpLocks/>
+          </p:cNvCxnSpPr>
           <p:nvPr/>
         </p:nvCxnSpPr>
         <p:spPr>
@@ -5781,7 +5787,7 @@
         </p:nvSpPr>
         <p:spPr>
           <a:xfrm flipH="1">
-            <a:off x="5074342" y="2740811"/>
+            <a:off x="5074342" y="2618909"/>
             <a:ext cx="991986" cy="346760"/>
           </a:xfrm>
           <a:prstGeom prst="rect">
@@ -5815,7 +5821,7 @@
           <a:p>
             <a:pPr algn="ctr"/>
             <a:r>
-              <a:rPr lang="en-US" sz="1050" b="1" dirty="0" err="1" smtClean="0">
+              <a:rPr lang="en-US" sz="1050" b="1" dirty="0" err="1">
                 <a:solidFill>
                   <a:schemeClr val="bg1"/>
                 </a:solidFill>
@@ -5857,7 +5863,7 @@
         </p:nvCxnSpPr>
         <p:spPr>
           <a:xfrm rot="10800000">
-            <a:off x="3917734" y="2058661"/>
+            <a:off x="3917734" y="1936759"/>
             <a:ext cx="1156608" cy="855530"/>
           </a:xfrm>
           <a:prstGeom prst="bentConnector3">
@@ -5904,7 +5910,7 @@
         </p:nvCxnSpPr>
         <p:spPr>
           <a:xfrm rot="10800000">
-            <a:off x="3921964" y="2540511"/>
+            <a:off x="3921964" y="2418609"/>
             <a:ext cx="1152379" cy="373681"/>
           </a:xfrm>
           <a:prstGeom prst="bentConnector3">
@@ -5951,7 +5957,7 @@
         </p:nvCxnSpPr>
         <p:spPr>
           <a:xfrm rot="10800000" flipV="1">
-            <a:off x="3926192" y="2914191"/>
+            <a:off x="3926192" y="2792289"/>
             <a:ext cx="1148150" cy="108168"/>
           </a:xfrm>
           <a:prstGeom prst="bentConnector3">
@@ -5998,7 +6004,7 @@
         </p:nvCxnSpPr>
         <p:spPr>
           <a:xfrm rot="10800000" flipV="1">
-            <a:off x="3930422" y="2914191"/>
+            <a:off x="3930422" y="2792289"/>
             <a:ext cx="1143921" cy="439870"/>
           </a:xfrm>
           <a:prstGeom prst="bentConnector3">
@@ -6036,50 +6042,6 @@
       </p:cxnSp>
       <p:cxnSp>
         <p:nvCxnSpPr>
-          <p:cNvPr id="51" name="Elbow Connector 50"/>
-          <p:cNvCxnSpPr>
-            <a:stCxn id="16" idx="3"/>
-            <a:endCxn id="42" idx="2"/>
-          </p:cNvCxnSpPr>
-          <p:nvPr/>
-        </p:nvCxnSpPr>
-        <p:spPr>
-          <a:xfrm flipV="1">
-            <a:off x="4300741" y="3087571"/>
-            <a:ext cx="1269594" cy="659673"/>
-          </a:xfrm>
-          <a:prstGeom prst="bentConnector2">
-            <a:avLst/>
-          </a:prstGeom>
-          <a:ln w="19050">
-            <a:solidFill>
-              <a:schemeClr val="accent5">
-                <a:lumMod val="75000"/>
-              </a:schemeClr>
-            </a:solidFill>
-            <a:prstDash val="sysDot"/>
-            <a:headEnd type="none" w="med" len="med"/>
-            <a:tailEnd type="arrow" w="med" len="med"/>
-          </a:ln>
-          <a:effectLst/>
-        </p:spPr>
-        <p:style>
-          <a:lnRef idx="1">
-            <a:schemeClr val="accent2"/>
-          </a:lnRef>
-          <a:fillRef idx="2">
-            <a:schemeClr val="accent2"/>
-          </a:fillRef>
-          <a:effectRef idx="1">
-            <a:schemeClr val="accent2"/>
-          </a:effectRef>
-          <a:fontRef idx="minor">
-            <a:schemeClr val="dk1"/>
-          </a:fontRef>
-        </p:style>
-      </p:cxnSp>
-      <p:cxnSp>
-        <p:nvCxnSpPr>
           <p:cNvPr id="83" name="Elbow Connector 82"/>
           <p:cNvCxnSpPr>
             <a:endCxn id="42" idx="0"/>
@@ -6088,7 +6050,7 @@
         </p:nvCxnSpPr>
         <p:spPr>
           <a:xfrm rot="16200000" flipH="1">
-            <a:off x="5451193" y="2621669"/>
+            <a:off x="5451193" y="2499767"/>
             <a:ext cx="234926" cy="3358"/>
           </a:xfrm>
           <a:prstGeom prst="bentConnector3">
@@ -6126,8 +6088,8 @@
         </p:nvSpPr>
         <p:spPr>
           <a:xfrm>
-            <a:off x="6263130" y="1981200"/>
-            <a:ext cx="1276614" cy="630473"/>
+            <a:off x="6263130" y="1859298"/>
+            <a:ext cx="1582112" cy="630473"/>
           </a:xfrm>
           <a:prstGeom prst="foldedCorner">
             <a:avLst/>
@@ -6165,7 +6127,7 @@
           <a:p>
             <a:pPr algn="ctr"/>
             <a:r>
-              <a:rPr lang="en-US" sz="1050" dirty="0" err="1" smtClean="0">
+              <a:rPr lang="en-US" sz="1050" dirty="0" err="1">
                 <a:solidFill>
                   <a:schemeClr val="bg1"/>
                 </a:solidFill>
@@ -6173,7 +6135,7 @@
               <a:t>XYZCommand</a:t>
             </a:r>
             <a:r>
-              <a:rPr lang="en-US" sz="1050" dirty="0" smtClean="0">
+              <a:rPr lang="en-US" sz="1050" dirty="0">
                 <a:solidFill>
                   <a:schemeClr val="bg1"/>
                 </a:solidFill>
@@ -6181,15 +6143,15 @@
               <a:t> = </a:t>
             </a:r>
             <a:r>
-              <a:rPr lang="en-US" sz="1050" dirty="0" err="1" smtClean="0">
+              <a:rPr lang="en-US" sz="1050" dirty="0" err="1">
                 <a:solidFill>
                   <a:schemeClr val="bg1"/>
                 </a:solidFill>
               </a:rPr>
-              <a:t>AddCommand</a:t>
-            </a:r>
-            <a:r>
-              <a:rPr lang="en-US" sz="1050" dirty="0" smtClean="0">
+              <a:t>OrderAddCommand</a:t>
+            </a:r>
+            <a:r>
+              <a:rPr lang="en-US" sz="1050" dirty="0">
                 <a:solidFill>
                   <a:schemeClr val="bg1"/>
                 </a:solidFill>
@@ -6197,26 +6159,396 @@
               <a:t>, </a:t>
             </a:r>
             <a:r>
-              <a:rPr lang="en-US" sz="1050" dirty="0" err="1" smtClean="0">
+              <a:rPr lang="en-US" sz="1050" dirty="0" err="1">
                 <a:solidFill>
                   <a:schemeClr val="bg1"/>
                 </a:solidFill>
               </a:rPr>
-              <a:t>FindCommand</a:t>
-            </a:r>
-            <a:r>
-              <a:rPr lang="en-US" sz="1050" dirty="0" smtClean="0">
+              <a:t>OrderFindCommand</a:t>
+            </a:r>
+            <a:r>
+              <a:rPr lang="en-US" sz="1050" dirty="0">
                 <a:solidFill>
                   <a:schemeClr val="bg1"/>
                 </a:solidFill>
               </a:rPr>
               <a:t>, etc.</a:t>
             </a:r>
+          </a:p>
+        </p:txBody>
+      </p:sp>
+      <p:sp>
+        <p:nvSpPr>
+          <p:cNvPr id="59" name="Rectangle 62">
+            <a:extLst>
+              <a:ext uri="{FF2B5EF4-FFF2-40B4-BE49-F238E27FC236}">
+                <a16:creationId xmlns:a16="http://schemas.microsoft.com/office/drawing/2014/main" id="{566E9BDC-C254-44C9-8199-373EAAAEEF0A}"/>
+              </a:ext>
+            </a:extLst>
+          </p:cNvPr>
+          <p:cNvSpPr/>
+          <p:nvPr/>
+        </p:nvSpPr>
+        <p:spPr>
+          <a:xfrm>
+            <a:off x="5050677" y="3553320"/>
+            <a:ext cx="1299355" cy="384497"/>
+          </a:xfrm>
+          <a:prstGeom prst="rect">
+            <a:avLst/>
+          </a:prstGeom>
+          <a:solidFill>
+            <a:schemeClr val="accent5"/>
+          </a:solidFill>
+          <a:ln/>
+          <a:effectLst/>
+        </p:spPr>
+        <p:style>
+          <a:lnRef idx="1">
+            <a:schemeClr val="accent5"/>
+          </a:lnRef>
+          <a:fillRef idx="2">
+            <a:schemeClr val="accent5"/>
+          </a:fillRef>
+          <a:effectRef idx="1">
+            <a:schemeClr val="accent5"/>
+          </a:effectRef>
+          <a:fontRef idx="minor">
+            <a:schemeClr val="dk1"/>
+          </a:fontRef>
+        </p:style>
+        <p:txBody>
+          <a:bodyPr rtlCol="0" anchor="ctr"/>
+          <a:lstStyle/>
+          <a:p>
+            <a:pPr algn="ctr"/>
+            <a:r>
+              <a:rPr lang="en-US" sz="1050" dirty="0" err="1">
+                <a:solidFill>
+                  <a:schemeClr val="bg1"/>
+                </a:solidFill>
+              </a:rPr>
+              <a:t>ODCommandParser</a:t>
+            </a:r>
+            <a:endParaRPr lang="en-SG" sz="1050" dirty="0">
+              <a:solidFill>
+                <a:schemeClr val="bg1"/>
+              </a:solidFill>
+            </a:endParaRPr>
+          </a:p>
+        </p:txBody>
+      </p:sp>
+      <p:cxnSp>
+        <p:nvCxnSpPr>
+          <p:cNvPr id="74" name="Elbow Connector 63">
+            <a:extLst>
+              <a:ext uri="{FF2B5EF4-FFF2-40B4-BE49-F238E27FC236}">
+                <a16:creationId xmlns:a16="http://schemas.microsoft.com/office/drawing/2014/main" id="{25334D1B-89EF-45B2-ABEB-05AC7D554A0B}"/>
+              </a:ext>
+            </a:extLst>
+          </p:cNvPr>
+          <p:cNvCxnSpPr>
+            <a:cxnSpLocks/>
+          </p:cNvCxnSpPr>
+          <p:nvPr/>
+        </p:nvCxnSpPr>
+        <p:spPr>
+          <a:xfrm flipV="1">
+            <a:off x="4309015" y="3745569"/>
+            <a:ext cx="741390" cy="1"/>
+          </a:xfrm>
+          <a:prstGeom prst="bentConnector3">
+            <a:avLst>
+              <a:gd name="adj1" fmla="val 50000"/>
+            </a:avLst>
+          </a:prstGeom>
+          <a:ln w="19050">
+            <a:solidFill>
+              <a:schemeClr val="accent5">
+                <a:lumMod val="75000"/>
+              </a:schemeClr>
+            </a:solidFill>
+            <a:prstDash val="sysDot"/>
+            <a:headEnd type="none" w="med" len="med"/>
+            <a:tailEnd type="arrow" w="med" len="med"/>
+          </a:ln>
+          <a:effectLst/>
+        </p:spPr>
+        <p:style>
+          <a:lnRef idx="1">
+            <a:schemeClr val="accent2"/>
+          </a:lnRef>
+          <a:fillRef idx="2">
+            <a:schemeClr val="accent2"/>
+          </a:fillRef>
+          <a:effectRef idx="1">
+            <a:schemeClr val="accent2"/>
+          </a:effectRef>
+          <a:fontRef idx="minor">
+            <a:schemeClr val="dk1"/>
+          </a:fontRef>
+        </p:style>
+      </p:cxnSp>
+      <p:cxnSp>
+        <p:nvCxnSpPr>
+          <p:cNvPr id="84" name="Elbow Connector 63">
+            <a:extLst>
+              <a:ext uri="{FF2B5EF4-FFF2-40B4-BE49-F238E27FC236}">
+                <a16:creationId xmlns:a16="http://schemas.microsoft.com/office/drawing/2014/main" id="{0F265309-8932-4860-8716-9107212E2FB2}"/>
+              </a:ext>
+            </a:extLst>
+          </p:cNvPr>
+          <p:cNvCxnSpPr>
+            <a:cxnSpLocks/>
+            <a:stCxn id="59" idx="0"/>
+            <a:endCxn id="42" idx="2"/>
+          </p:cNvCxnSpPr>
+          <p:nvPr/>
+        </p:nvCxnSpPr>
+        <p:spPr>
+          <a:xfrm rot="16200000" flipV="1">
+            <a:off x="5341520" y="3194485"/>
+            <a:ext cx="587651" cy="130020"/>
+          </a:xfrm>
+          <a:prstGeom prst="bentConnector3">
+            <a:avLst>
+              <a:gd name="adj1" fmla="val 50000"/>
+            </a:avLst>
+          </a:prstGeom>
+          <a:ln w="19050">
+            <a:solidFill>
+              <a:schemeClr val="accent5">
+                <a:lumMod val="75000"/>
+              </a:schemeClr>
+            </a:solidFill>
+            <a:prstDash val="sysDot"/>
+            <a:headEnd type="none" w="med" len="med"/>
+            <a:tailEnd type="arrow" w="med" len="med"/>
+          </a:ln>
+          <a:effectLst/>
+        </p:spPr>
+        <p:style>
+          <a:lnRef idx="1">
+            <a:schemeClr val="accent2"/>
+          </a:lnRef>
+          <a:fillRef idx="2">
+            <a:schemeClr val="accent2"/>
+          </a:fillRef>
+          <a:effectRef idx="1">
+            <a:schemeClr val="accent2"/>
+          </a:effectRef>
+          <a:fontRef idx="minor">
+            <a:schemeClr val="dk1"/>
+          </a:fontRef>
+        </p:style>
+      </p:cxnSp>
+      <p:sp>
+        <p:nvSpPr>
+          <p:cNvPr id="90" name="Folded Corner 126">
+            <a:extLst>
+              <a:ext uri="{FF2B5EF4-FFF2-40B4-BE49-F238E27FC236}">
+                <a16:creationId xmlns:a16="http://schemas.microsoft.com/office/drawing/2014/main" id="{C0868DBF-3C83-449A-ABA4-4D4A0B85D1C0}"/>
+              </a:ext>
+            </a:extLst>
+          </p:cNvPr>
+          <p:cNvSpPr/>
+          <p:nvPr/>
+        </p:nvSpPr>
+        <p:spPr>
+          <a:xfrm>
+            <a:off x="5251717" y="4064611"/>
+            <a:ext cx="1926467" cy="652728"/>
+          </a:xfrm>
+          <a:prstGeom prst="foldedCorner">
+            <a:avLst>
+              <a:gd name="adj" fmla="val 3388"/>
+            </a:avLst>
+          </a:prstGeom>
+          <a:solidFill>
+            <a:schemeClr val="accent5">
+              <a:lumMod val="60000"/>
+              <a:lumOff val="40000"/>
+            </a:schemeClr>
+          </a:solidFill>
+          <a:ln w="19050">
+            <a:solidFill>
+              <a:schemeClr val="bg1"/>
+            </a:solidFill>
+          </a:ln>
+          <a:effectLst/>
+        </p:spPr>
+        <p:style>
+          <a:lnRef idx="1">
+            <a:schemeClr val="accent2"/>
+          </a:lnRef>
+          <a:fillRef idx="2">
+            <a:schemeClr val="accent2"/>
+          </a:fillRef>
+          <a:effectRef idx="1">
+            <a:schemeClr val="accent2"/>
+          </a:effectRef>
+          <a:fontRef idx="minor">
+            <a:schemeClr val="dk1"/>
+          </a:fontRef>
+        </p:style>
+        <p:txBody>
+          <a:bodyPr rtlCol="0" anchor="ctr"/>
+          <a:lstStyle/>
+          <a:p>
+            <a:pPr algn="ctr"/>
+            <a:r>
+              <a:rPr lang="en-US" sz="1050" dirty="0" err="1">
+                <a:solidFill>
+                  <a:schemeClr val="bg1"/>
+                </a:solidFill>
+              </a:rPr>
+              <a:t>ODCommandParser</a:t>
+            </a:r>
+            <a:r>
+              <a:rPr lang="en-US" sz="1050" dirty="0">
+                <a:solidFill>
+                  <a:schemeClr val="bg1"/>
+                </a:solidFill>
+              </a:rPr>
+              <a:t> = </a:t>
+            </a:r>
+          </a:p>
+          <a:p>
+            <a:pPr algn="ctr"/>
+            <a:r>
+              <a:rPr lang="en-US" sz="1050" dirty="0" err="1">
+                <a:solidFill>
+                  <a:schemeClr val="bg1"/>
+                </a:solidFill>
+              </a:rPr>
+              <a:t>OrderCommandParser</a:t>
+            </a:r>
+            <a:r>
+              <a:rPr lang="en-US" sz="1050" dirty="0">
+                <a:solidFill>
+                  <a:schemeClr val="bg1"/>
+                </a:solidFill>
+              </a:rPr>
+              <a:t>, </a:t>
+            </a:r>
+          </a:p>
+          <a:p>
+            <a:pPr algn="ctr"/>
+            <a:r>
+              <a:rPr lang="en-US" sz="1050" dirty="0" err="1">
+                <a:solidFill>
+                  <a:schemeClr val="bg1"/>
+                </a:solidFill>
+              </a:rPr>
+              <a:t>DeliverymanCommandParser</a:t>
+            </a:r>
             <a:endParaRPr lang="en-US" sz="1050" dirty="0">
               <a:solidFill>
                 <a:schemeClr val="bg1"/>
               </a:solidFill>
             </a:endParaRPr>
+          </a:p>
+        </p:txBody>
+      </p:sp>
+      <p:sp>
+        <p:nvSpPr>
+          <p:cNvPr id="99" name="TextBox 98">
+            <a:extLst>
+              <a:ext uri="{FF2B5EF4-FFF2-40B4-BE49-F238E27FC236}">
+                <a16:creationId xmlns:a16="http://schemas.microsoft.com/office/drawing/2014/main" id="{604242E1-159F-41F6-904C-647BF95E1644}"/>
+              </a:ext>
+            </a:extLst>
+          </p:cNvPr>
+          <p:cNvSpPr txBox="1"/>
+          <p:nvPr/>
+        </p:nvSpPr>
+        <p:spPr>
+          <a:xfrm>
+            <a:off x="4393155" y="3797308"/>
+            <a:ext cx="598286" cy="222304"/>
+          </a:xfrm>
+          <a:prstGeom prst="rect">
+            <a:avLst/>
+          </a:prstGeom>
+          <a:noFill/>
+        </p:spPr>
+        <p:txBody>
+          <a:bodyPr wrap="square" lIns="0" tIns="0" rIns="0" bIns="0" rtlCol="0">
+            <a:noAutofit/>
+          </a:bodyPr>
+          <a:lstStyle/>
+          <a:p>
+            <a:r>
+              <a:rPr lang="en-US" sz="1100" dirty="0">
+                <a:solidFill>
+                  <a:schemeClr val="accent5">
+                    <a:lumMod val="75000"/>
+                  </a:schemeClr>
+                </a:solidFill>
+              </a:rPr>
+              <a:t>creates</a:t>
+            </a:r>
+            <a:endParaRPr lang="en-SG" sz="1100" dirty="0">
+              <a:solidFill>
+                <a:schemeClr val="accent5">
+                  <a:lumMod val="75000"/>
+                </a:schemeClr>
+              </a:solidFill>
+            </a:endParaRPr>
+          </a:p>
+        </p:txBody>
+      </p:sp>
+      <p:sp>
+        <p:nvSpPr>
+          <p:cNvPr id="100" name="Isosceles Triangle 99">
+            <a:extLst>
+              <a:ext uri="{FF2B5EF4-FFF2-40B4-BE49-F238E27FC236}">
+                <a16:creationId xmlns:a16="http://schemas.microsoft.com/office/drawing/2014/main" id="{BEEA53B1-7367-4B8A-A76C-6011583303B7}"/>
+              </a:ext>
+            </a:extLst>
+          </p:cNvPr>
+          <p:cNvSpPr/>
+          <p:nvPr/>
+        </p:nvSpPr>
+        <p:spPr>
+          <a:xfrm rot="16200000" flipV="1">
+            <a:off x="4839719" y="3833981"/>
+            <a:ext cx="115455" cy="94932"/>
+          </a:xfrm>
+          <a:prstGeom prst="triangle">
+            <a:avLst/>
+          </a:prstGeom>
+          <a:solidFill>
+            <a:schemeClr val="accent5">
+              <a:lumMod val="75000"/>
+            </a:schemeClr>
+          </a:solidFill>
+          <a:ln>
+            <a:noFill/>
+          </a:ln>
+        </p:spPr>
+        <p:style>
+          <a:lnRef idx="2">
+            <a:schemeClr val="accent1">
+              <a:shade val="50000"/>
+            </a:schemeClr>
+          </a:lnRef>
+          <a:fillRef idx="1">
+            <a:schemeClr val="accent1"/>
+          </a:fillRef>
+          <a:effectRef idx="0">
+            <a:schemeClr val="accent1"/>
+          </a:effectRef>
+          <a:fontRef idx="minor">
+            <a:schemeClr val="lt1"/>
+          </a:fontRef>
+        </p:style>
+        <p:txBody>
+          <a:bodyPr rtlCol="0" anchor="ctr"/>
+          <a:lstStyle/>
+          <a:p>
+            <a:pPr algn="ctr"/>
+            <a:endParaRPr lang="en-SG"/>
           </a:p>
         </p:txBody>
       </p:sp>
